--- a/statistical_computing/final/imgs/bosk.pptx
+++ b/statistical_computing/final/imgs/bosk.pptx
@@ -104,6 +104,11 @@
       </a:defRPr>
     </a:lvl9pPr>
   </p:defaultTextStyle>
+  <p:extLst>
+    <p:ext uri="{EFAFB233-063F-42B5-8137-9DF3F51BA10A}">
+      <p15:sldGuideLst xmlns:p15="http://schemas.microsoft.com/office/powerpoint/2012/main"/>
+    </p:ext>
+  </p:extLst>
 </p:presentation>
 </file>
 
@@ -254,7 +259,7 @@
           <a:p>
             <a:fld id="{76334409-AFC9-48EE-96D2-3EE08966F2AB}" type="datetimeFigureOut">
               <a:rPr lang="en-US" smtClean="0"/>
-              <a:t>6/14/2021</a:t>
+              <a:t>6/15/2021</a:t>
             </a:fld>
             <a:endParaRPr lang="en-US"/>
           </a:p>
@@ -452,7 +457,7 @@
           <a:p>
             <a:fld id="{76334409-AFC9-48EE-96D2-3EE08966F2AB}" type="datetimeFigureOut">
               <a:rPr lang="en-US" smtClean="0"/>
-              <a:t>6/14/2021</a:t>
+              <a:t>6/15/2021</a:t>
             </a:fld>
             <a:endParaRPr lang="en-US"/>
           </a:p>
@@ -660,7 +665,7 @@
           <a:p>
             <a:fld id="{76334409-AFC9-48EE-96D2-3EE08966F2AB}" type="datetimeFigureOut">
               <a:rPr lang="en-US" smtClean="0"/>
-              <a:t>6/14/2021</a:t>
+              <a:t>6/15/2021</a:t>
             </a:fld>
             <a:endParaRPr lang="en-US"/>
           </a:p>
@@ -858,7 +863,7 @@
           <a:p>
             <a:fld id="{76334409-AFC9-48EE-96D2-3EE08966F2AB}" type="datetimeFigureOut">
               <a:rPr lang="en-US" smtClean="0"/>
-              <a:t>6/14/2021</a:t>
+              <a:t>6/15/2021</a:t>
             </a:fld>
             <a:endParaRPr lang="en-US"/>
           </a:p>
@@ -1133,7 +1138,7 @@
           <a:p>
             <a:fld id="{76334409-AFC9-48EE-96D2-3EE08966F2AB}" type="datetimeFigureOut">
               <a:rPr lang="en-US" smtClean="0"/>
-              <a:t>6/14/2021</a:t>
+              <a:t>6/15/2021</a:t>
             </a:fld>
             <a:endParaRPr lang="en-US"/>
           </a:p>
@@ -1398,7 +1403,7 @@
           <a:p>
             <a:fld id="{76334409-AFC9-48EE-96D2-3EE08966F2AB}" type="datetimeFigureOut">
               <a:rPr lang="en-US" smtClean="0"/>
-              <a:t>6/14/2021</a:t>
+              <a:t>6/15/2021</a:t>
             </a:fld>
             <a:endParaRPr lang="en-US"/>
           </a:p>
@@ -1810,7 +1815,7 @@
           <a:p>
             <a:fld id="{76334409-AFC9-48EE-96D2-3EE08966F2AB}" type="datetimeFigureOut">
               <a:rPr lang="en-US" smtClean="0"/>
-              <a:t>6/14/2021</a:t>
+              <a:t>6/15/2021</a:t>
             </a:fld>
             <a:endParaRPr lang="en-US"/>
           </a:p>
@@ -1951,7 +1956,7 @@
           <a:p>
             <a:fld id="{76334409-AFC9-48EE-96D2-3EE08966F2AB}" type="datetimeFigureOut">
               <a:rPr lang="en-US" smtClean="0"/>
-              <a:t>6/14/2021</a:t>
+              <a:t>6/15/2021</a:t>
             </a:fld>
             <a:endParaRPr lang="en-US"/>
           </a:p>
@@ -2064,7 +2069,7 @@
           <a:p>
             <a:fld id="{76334409-AFC9-48EE-96D2-3EE08966F2AB}" type="datetimeFigureOut">
               <a:rPr lang="en-US" smtClean="0"/>
-              <a:t>6/14/2021</a:t>
+              <a:t>6/15/2021</a:t>
             </a:fld>
             <a:endParaRPr lang="en-US"/>
           </a:p>
@@ -2375,7 +2380,7 @@
           <a:p>
             <a:fld id="{76334409-AFC9-48EE-96D2-3EE08966F2AB}" type="datetimeFigureOut">
               <a:rPr lang="en-US" smtClean="0"/>
-              <a:t>6/14/2021</a:t>
+              <a:t>6/15/2021</a:t>
             </a:fld>
             <a:endParaRPr lang="en-US"/>
           </a:p>
@@ -2663,7 +2668,7 @@
           <a:p>
             <a:fld id="{76334409-AFC9-48EE-96D2-3EE08966F2AB}" type="datetimeFigureOut">
               <a:rPr lang="en-US" smtClean="0"/>
-              <a:t>6/14/2021</a:t>
+              <a:t>6/15/2021</a:t>
             </a:fld>
             <a:endParaRPr lang="en-US"/>
           </a:p>
@@ -2904,7 +2909,7 @@
           <a:p>
             <a:fld id="{76334409-AFC9-48EE-96D2-3EE08966F2AB}" type="datetimeFigureOut">
               <a:rPr lang="en-US" smtClean="0"/>
-              <a:t>6/14/2021</a:t>
+              <a:t>6/15/2021</a:t>
             </a:fld>
             <a:endParaRPr lang="en-US"/>
           </a:p>
@@ -3892,8 +3897,8 @@
           </a:p>
         </p:txBody>
       </p:sp>
-      <mc:AlternateContent xmlns:mc="http://schemas.openxmlformats.org/markup-compatibility/2006">
-        <mc:Choice xmlns:a14="http://schemas.microsoft.com/office/drawing/2010/main" Requires="a14">
+      <mc:AlternateContent xmlns:mc="http://schemas.openxmlformats.org/markup-compatibility/2006" xmlns:a14="http://schemas.microsoft.com/office/drawing/2010/main">
+        <mc:Choice Requires="a14">
           <p:sp>
             <p:nvSpPr>
               <p:cNvPr id="28" name="TextBox 27">
@@ -4032,7 +4037,7 @@
             </p:txBody>
           </p:sp>
         </mc:Choice>
-        <mc:Fallback>
+        <mc:Fallback xmlns="">
           <p:sp>
             <p:nvSpPr>
               <p:cNvPr id="28" name="TextBox 27">
@@ -4310,8 +4315,8 @@
           </a:fontRef>
         </p:style>
       </p:cxnSp>
-      <mc:AlternateContent xmlns:mc="http://schemas.openxmlformats.org/markup-compatibility/2006">
-        <mc:Choice xmlns:a14="http://schemas.microsoft.com/office/drawing/2010/main" Requires="a14">
+      <mc:AlternateContent xmlns:mc="http://schemas.openxmlformats.org/markup-compatibility/2006" xmlns:a14="http://schemas.microsoft.com/office/drawing/2010/main">
+        <mc:Choice Requires="a14">
           <p:sp>
             <p:nvSpPr>
               <p:cNvPr id="41" name="TextBox 40">
@@ -4464,7 +4469,7 @@
             </p:txBody>
           </p:sp>
         </mc:Choice>
-        <mc:Fallback>
+        <mc:Fallback xmlns="">
           <p:sp>
             <p:nvSpPr>
               <p:cNvPr id="41" name="TextBox 40">
@@ -4786,6 +4791,98 @@
           </a:fontRef>
         </p:style>
       </p:cxnSp>
+      <p:sp>
+        <p:nvSpPr>
+          <p:cNvPr id="35" name="Isosceles Triangle 34">
+            <a:extLst>
+              <a:ext uri="{FF2B5EF4-FFF2-40B4-BE49-F238E27FC236}">
+                <a16:creationId xmlns:a16="http://schemas.microsoft.com/office/drawing/2014/main" id="{5375C833-01E2-4A30-869E-3649A275F874}"/>
+              </a:ext>
+            </a:extLst>
+          </p:cNvPr>
+          <p:cNvSpPr/>
+          <p:nvPr/>
+        </p:nvSpPr>
+        <p:spPr>
+          <a:xfrm>
+            <a:off x="3931423" y="2321498"/>
+            <a:ext cx="855760" cy="851572"/>
+          </a:xfrm>
+          <a:prstGeom prst="triangle">
+            <a:avLst>
+              <a:gd name="adj" fmla="val 98492"/>
+            </a:avLst>
+          </a:prstGeom>
+          <a:solidFill>
+            <a:srgbClr val="FFC000">
+              <a:alpha val="69804"/>
+            </a:srgbClr>
+          </a:solidFill>
+        </p:spPr>
+        <p:style>
+          <a:lnRef idx="2">
+            <a:schemeClr val="accent1">
+              <a:shade val="50000"/>
+            </a:schemeClr>
+          </a:lnRef>
+          <a:fillRef idx="1">
+            <a:schemeClr val="accent1"/>
+          </a:fillRef>
+          <a:effectRef idx="0">
+            <a:schemeClr val="accent1"/>
+          </a:effectRef>
+          <a:fontRef idx="minor">
+            <a:schemeClr val="lt1"/>
+          </a:fontRef>
+        </p:style>
+        <p:txBody>
+          <a:bodyPr rtlCol="0" anchor="ctr"/>
+          <a:lstStyle/>
+          <a:p>
+            <a:pPr algn="ctr"/>
+            <a:endParaRPr lang="en-US"/>
+          </a:p>
+        </p:txBody>
+      </p:sp>
+      <p:sp>
+        <p:nvSpPr>
+          <p:cNvPr id="36" name="TextBox 35">
+            <a:extLst>
+              <a:ext uri="{FF2B5EF4-FFF2-40B4-BE49-F238E27FC236}">
+                <a16:creationId xmlns:a16="http://schemas.microsoft.com/office/drawing/2014/main" id="{CE7C8EE3-759C-46EE-83C7-C4B844C4FB5B}"/>
+              </a:ext>
+            </a:extLst>
+          </p:cNvPr>
+          <p:cNvSpPr txBox="1"/>
+          <p:nvPr/>
+        </p:nvSpPr>
+        <p:spPr>
+          <a:xfrm>
+            <a:off x="4807006" y="2345321"/>
+            <a:ext cx="1562986" cy="400110"/>
+          </a:xfrm>
+          <a:prstGeom prst="rect">
+            <a:avLst/>
+          </a:prstGeom>
+          <a:noFill/>
+        </p:spPr>
+        <p:txBody>
+          <a:bodyPr wrap="square" rtlCol="0">
+            <a:spAutoFit/>
+          </a:bodyPr>
+          <a:lstStyle/>
+          <a:p>
+            <a:r>
+              <a:rPr lang="en-US" sz="2000" dirty="0">
+                <a:solidFill>
+                  <a:schemeClr val="accent4"/>
+                </a:solidFill>
+              </a:rPr>
+              <a:t>Intersection</a:t>
+            </a:r>
+          </a:p>
+        </p:txBody>
+      </p:sp>
     </p:spTree>
     <p:extLst>
       <p:ext uri="{BB962C8B-B14F-4D97-AF65-F5344CB8AC3E}">
